--- a/report.pptx
+++ b/report.pptx
@@ -251,7 +251,7 @@
           <a:p>
             <a:fld id="{CEA58CE0-804E-4C3E-A0CD-62BFB7AE72E7}" type="datetimeFigureOut">
               <a:rPr lang="zh-CN" altLang="en-US" smtClean="0"/>
-              <a:t>2022/5/7</a:t>
+              <a:t>2022/5/31</a:t>
             </a:fld>
             <a:endParaRPr lang="zh-CN" altLang="en-US"/>
           </a:p>
@@ -421,7 +421,7 @@
           <a:p>
             <a:fld id="{CEA58CE0-804E-4C3E-A0CD-62BFB7AE72E7}" type="datetimeFigureOut">
               <a:rPr lang="zh-CN" altLang="en-US" smtClean="0"/>
-              <a:t>2022/5/7</a:t>
+              <a:t>2022/5/31</a:t>
             </a:fld>
             <a:endParaRPr lang="zh-CN" altLang="en-US"/>
           </a:p>
@@ -601,7 +601,7 @@
           <a:p>
             <a:fld id="{CEA58CE0-804E-4C3E-A0CD-62BFB7AE72E7}" type="datetimeFigureOut">
               <a:rPr lang="zh-CN" altLang="en-US" smtClean="0"/>
-              <a:t>2022/5/7</a:t>
+              <a:t>2022/5/31</a:t>
             </a:fld>
             <a:endParaRPr lang="zh-CN" altLang="en-US"/>
           </a:p>
@@ -771,7 +771,7 @@
           <a:p>
             <a:fld id="{CEA58CE0-804E-4C3E-A0CD-62BFB7AE72E7}" type="datetimeFigureOut">
               <a:rPr lang="zh-CN" altLang="en-US" smtClean="0"/>
-              <a:t>2022/5/7</a:t>
+              <a:t>2022/5/31</a:t>
             </a:fld>
             <a:endParaRPr lang="zh-CN" altLang="en-US"/>
           </a:p>
@@ -1017,7 +1017,7 @@
           <a:p>
             <a:fld id="{CEA58CE0-804E-4C3E-A0CD-62BFB7AE72E7}" type="datetimeFigureOut">
               <a:rPr lang="zh-CN" altLang="en-US" smtClean="0"/>
-              <a:t>2022/5/7</a:t>
+              <a:t>2022/5/31</a:t>
             </a:fld>
             <a:endParaRPr lang="zh-CN" altLang="en-US"/>
           </a:p>
@@ -1249,7 +1249,7 @@
           <a:p>
             <a:fld id="{CEA58CE0-804E-4C3E-A0CD-62BFB7AE72E7}" type="datetimeFigureOut">
               <a:rPr lang="zh-CN" altLang="en-US" smtClean="0"/>
-              <a:t>2022/5/7</a:t>
+              <a:t>2022/5/31</a:t>
             </a:fld>
             <a:endParaRPr lang="zh-CN" altLang="en-US"/>
           </a:p>
@@ -1616,7 +1616,7 @@
           <a:p>
             <a:fld id="{CEA58CE0-804E-4C3E-A0CD-62BFB7AE72E7}" type="datetimeFigureOut">
               <a:rPr lang="zh-CN" altLang="en-US" smtClean="0"/>
-              <a:t>2022/5/7</a:t>
+              <a:t>2022/5/31</a:t>
             </a:fld>
             <a:endParaRPr lang="zh-CN" altLang="en-US"/>
           </a:p>
@@ -1734,7 +1734,7 @@
           <a:p>
             <a:fld id="{CEA58CE0-804E-4C3E-A0CD-62BFB7AE72E7}" type="datetimeFigureOut">
               <a:rPr lang="zh-CN" altLang="en-US" smtClean="0"/>
-              <a:t>2022/5/7</a:t>
+              <a:t>2022/5/31</a:t>
             </a:fld>
             <a:endParaRPr lang="zh-CN" altLang="en-US"/>
           </a:p>
@@ -1829,7 +1829,7 @@
           <a:p>
             <a:fld id="{CEA58CE0-804E-4C3E-A0CD-62BFB7AE72E7}" type="datetimeFigureOut">
               <a:rPr lang="zh-CN" altLang="en-US" smtClean="0"/>
-              <a:t>2022/5/7</a:t>
+              <a:t>2022/5/31</a:t>
             </a:fld>
             <a:endParaRPr lang="zh-CN" altLang="en-US"/>
           </a:p>
@@ -2106,7 +2106,7 @@
           <a:p>
             <a:fld id="{CEA58CE0-804E-4C3E-A0CD-62BFB7AE72E7}" type="datetimeFigureOut">
               <a:rPr lang="zh-CN" altLang="en-US" smtClean="0"/>
-              <a:t>2022/5/7</a:t>
+              <a:t>2022/5/31</a:t>
             </a:fld>
             <a:endParaRPr lang="zh-CN" altLang="en-US"/>
           </a:p>
@@ -2359,7 +2359,7 @@
           <a:p>
             <a:fld id="{CEA58CE0-804E-4C3E-A0CD-62BFB7AE72E7}" type="datetimeFigureOut">
               <a:rPr lang="zh-CN" altLang="en-US" smtClean="0"/>
-              <a:t>2022/5/7</a:t>
+              <a:t>2022/5/31</a:t>
             </a:fld>
             <a:endParaRPr lang="zh-CN" altLang="en-US"/>
           </a:p>
@@ -2572,7 +2572,7 @@
           <a:p>
             <a:fld id="{CEA58CE0-804E-4C3E-A0CD-62BFB7AE72E7}" type="datetimeFigureOut">
               <a:rPr lang="zh-CN" altLang="en-US" smtClean="0"/>
-              <a:t>2022/5/7</a:t>
+              <a:t>2022/5/31</a:t>
             </a:fld>
             <a:endParaRPr lang="zh-CN" altLang="en-US"/>
           </a:p>
@@ -2993,29 +2993,16 @@
           <a:lstStyle/>
           <a:p>
             <a:r>
-              <a:rPr lang="en-US" altLang="zh-CN" dirty="0" smtClean="0"/>
+              <a:rPr lang="en-US" altLang="zh-CN" dirty="0" smtClean="0">
+                <a:latin typeface="Arial" panose="020B0604020202020204" pitchFamily="34" charset="0"/>
+                <a:cs typeface="Arial" panose="020B0604020202020204" pitchFamily="34" charset="0"/>
+              </a:rPr>
               <a:t>Street View House Number Recognition</a:t>
             </a:r>
-            <a:endParaRPr lang="zh-CN" altLang="en-US" dirty="0"/>
-          </a:p>
-        </p:txBody>
-      </p:sp>
-      <p:sp>
-        <p:nvSpPr>
-          <p:cNvPr id="3" name="副标题 2"/>
-          <p:cNvSpPr>
-            <a:spLocks noGrp="1"/>
-          </p:cNvSpPr>
-          <p:nvPr>
-            <p:ph type="subTitle" idx="1"/>
-          </p:nvPr>
-        </p:nvSpPr>
-        <p:spPr/>
-        <p:txBody>
-          <a:bodyPr/>
-          <a:lstStyle/>
-          <a:p>
-            <a:endParaRPr lang="zh-CN" altLang="en-US" dirty="0"/>
+            <a:endParaRPr lang="zh-CN" altLang="en-US" dirty="0">
+              <a:latin typeface="Arial" panose="020B0604020202020204" pitchFamily="34" charset="0"/>
+              <a:cs typeface="Arial" panose="020B0604020202020204" pitchFamily="34" charset="0"/>
+            </a:endParaRPr>
           </a:p>
         </p:txBody>
       </p:sp>
@@ -3077,10 +3064,16 @@
           <a:lstStyle/>
           <a:p>
             <a:r>
-              <a:rPr lang="en-US" altLang="zh-CN" dirty="0" smtClean="0"/>
+              <a:rPr lang="en-US" altLang="zh-CN" dirty="0" smtClean="0">
+                <a:latin typeface="Arial" panose="020B0604020202020204" pitchFamily="34" charset="0"/>
+                <a:cs typeface="Arial" panose="020B0604020202020204" pitchFamily="34" charset="0"/>
+              </a:rPr>
               <a:t>Model</a:t>
             </a:r>
-            <a:endParaRPr lang="zh-CN" altLang="en-US" dirty="0"/>
+            <a:endParaRPr lang="zh-CN" altLang="en-US" dirty="0">
+              <a:latin typeface="Arial" panose="020B0604020202020204" pitchFamily="34" charset="0"/>
+              <a:cs typeface="Arial" panose="020B0604020202020204" pitchFamily="34" charset="0"/>
+            </a:endParaRPr>
           </a:p>
         </p:txBody>
       </p:sp>
@@ -3133,37 +3126,59 @@
           <a:lstStyle/>
           <a:p>
             <a:r>
-              <a:rPr lang="en-US" altLang="zh-CN" dirty="0" smtClean="0"/>
+              <a:rPr lang="en-US" altLang="zh-CN" dirty="0" smtClean="0">
+                <a:latin typeface="Arial" panose="020B0604020202020204" pitchFamily="34" charset="0"/>
+                <a:cs typeface="Arial" panose="020B0604020202020204" pitchFamily="34" charset="0"/>
+              </a:rPr>
               <a:t>This is a Pytorch implementation of a baseline work:</a:t>
             </a:r>
           </a:p>
           <a:p>
-            <a:endParaRPr lang="en-US" altLang="zh-CN" dirty="0"/>
+            <a:endParaRPr lang="en-US" altLang="zh-CN" dirty="0">
+              <a:latin typeface="Arial" panose="020B0604020202020204" pitchFamily="34" charset="0"/>
+              <a:cs typeface="Arial" panose="020B0604020202020204" pitchFamily="34" charset="0"/>
+            </a:endParaRPr>
           </a:p>
           <a:p>
             <a:r>
               <a:rPr lang="en-US" altLang="zh-CN" u="sng" dirty="0">
+                <a:latin typeface="Arial" panose="020B0604020202020204" pitchFamily="34" charset="0"/>
+                <a:cs typeface="Arial" panose="020B0604020202020204" pitchFamily="34" charset="0"/>
                 <a:hlinkClick r:id="rId3"/>
               </a:rPr>
               <a:t>Multi-digit Number Recognition from Street View Imagery using Deep Convolutional Neural </a:t>
             </a:r>
             <a:r>
               <a:rPr lang="en-US" altLang="zh-CN" u="sng" dirty="0" smtClean="0">
+                <a:latin typeface="Arial" panose="020B0604020202020204" pitchFamily="34" charset="0"/>
+                <a:cs typeface="Arial" panose="020B0604020202020204" pitchFamily="34" charset="0"/>
                 <a:hlinkClick r:id="rId3"/>
               </a:rPr>
               <a:t>Networks</a:t>
             </a:r>
-            <a:endParaRPr lang="en-US" altLang="zh-CN" u="sng" dirty="0" smtClean="0"/>
-          </a:p>
-          <a:p>
-            <a:endParaRPr lang="en-US" altLang="zh-CN" u="sng" dirty="0"/>
-          </a:p>
-          <a:p>
-            <a:r>
-              <a:rPr lang="en-US" altLang="zh-CN" dirty="0" smtClean="0"/>
+            <a:endParaRPr lang="en-US" altLang="zh-CN" u="sng" dirty="0" smtClean="0">
+              <a:latin typeface="Arial" panose="020B0604020202020204" pitchFamily="34" charset="0"/>
+              <a:cs typeface="Arial" panose="020B0604020202020204" pitchFamily="34" charset="0"/>
+            </a:endParaRPr>
+          </a:p>
+          <a:p>
+            <a:endParaRPr lang="en-US" altLang="zh-CN" u="sng" dirty="0">
+              <a:latin typeface="Arial" panose="020B0604020202020204" pitchFamily="34" charset="0"/>
+              <a:cs typeface="Arial" panose="020B0604020202020204" pitchFamily="34" charset="0"/>
+            </a:endParaRPr>
+          </a:p>
+          <a:p>
+            <a:r>
+              <a:rPr lang="en-US" altLang="zh-CN" dirty="0" smtClean="0">
+                <a:latin typeface="Arial" panose="020B0604020202020204" pitchFamily="34" charset="0"/>
+                <a:cs typeface="Arial" panose="020B0604020202020204" pitchFamily="34" charset="0"/>
+              </a:rPr>
               <a:t>Its network structure is on the right.</a:t>
             </a:r>
-            <a:endParaRPr lang="zh-CN" altLang="en-US" dirty="0"/>
+            <a:endParaRPr lang="zh-CN" altLang="en-US" dirty="0">
+              <a:latin typeface="Arial" panose="020B0604020202020204" pitchFamily="34" charset="0"/>
+              <a:cs typeface="Arial" panose="020B0604020202020204" pitchFamily="34" charset="0"/>
+            </a:endParaRPr>
           </a:p>
         </p:txBody>
       </p:sp>
@@ -3220,10 +3235,16 @@
           <a:lstStyle/>
           <a:p>
             <a:r>
-              <a:rPr lang="en-US" altLang="zh-CN" dirty="0" smtClean="0"/>
+              <a:rPr lang="en-US" altLang="zh-CN" dirty="0" smtClean="0">
+                <a:latin typeface="Arial" panose="020B0604020202020204" pitchFamily="34" charset="0"/>
+                <a:cs typeface="Arial" panose="020B0604020202020204" pitchFamily="34" charset="0"/>
+              </a:rPr>
               <a:t>Params</a:t>
             </a:r>
-            <a:endParaRPr lang="zh-CN" altLang="en-US" dirty="0"/>
+            <a:endParaRPr lang="zh-CN" altLang="en-US" dirty="0">
+              <a:latin typeface="Arial" panose="020B0604020202020204" pitchFamily="34" charset="0"/>
+              <a:cs typeface="Arial" panose="020B0604020202020204" pitchFamily="34" charset="0"/>
+            </a:endParaRPr>
           </a:p>
         </p:txBody>
       </p:sp>
@@ -3237,7 +3258,7 @@
             <p:ph idx="1"/>
             <p:extLst>
               <p:ext uri="{D42A27DB-BD31-4B8C-83A1-F6EECF244321}">
-                <p14:modId xmlns:p14="http://schemas.microsoft.com/office/powerpoint/2010/main" val="3274044755"/>
+                <p14:modId xmlns:p14="http://schemas.microsoft.com/office/powerpoint/2010/main" val="4156906452"/>
               </p:ext>
             </p:extLst>
           </p:nvPr>
@@ -3250,7 +3271,7 @@
           <a:graphicData uri="http://schemas.openxmlformats.org/drawingml/2006/table">
             <a:tbl>
               <a:tblPr firstRow="1" bandRow="1">
-                <a:tableStyleId>{5C22544A-7EE6-4342-B048-85BDC9FD1C3A}</a:tableStyleId>
+                <a:tableStyleId>{5940675A-B579-460E-94D1-54222C63F5DA}</a:tableStyleId>
               </a:tblPr>
               <a:tblGrid>
                 <a:gridCol w="1502229">
@@ -3311,13 +3332,52 @@
                     <a:p>
                       <a:pPr algn="ctr"/>
                       <a:r>
-                        <a:rPr lang="en-US" altLang="zh-CN" dirty="0" smtClean="0"/>
+                        <a:rPr lang="en-US" altLang="zh-CN" b="1" dirty="0" smtClean="0">
+                          <a:latin typeface="Arial" panose="020B0604020202020204" pitchFamily="34" charset="0"/>
+                          <a:cs typeface="Arial" panose="020B0604020202020204" pitchFamily="34" charset="0"/>
+                        </a:rPr>
                         <a:t>Steps</a:t>
                       </a:r>
-                      <a:endParaRPr lang="zh-CN" altLang="en-US" dirty="0"/>
+                      <a:endParaRPr lang="zh-CN" altLang="en-US" b="1" dirty="0">
+                        <a:latin typeface="Arial" panose="020B0604020202020204" pitchFamily="34" charset="0"/>
+                        <a:cs typeface="Arial" panose="020B0604020202020204" pitchFamily="34" charset="0"/>
+                      </a:endParaRPr>
                     </a:p>
                   </a:txBody>
-                  <a:tcPr anchor="ctr"/>
+                  <a:tcPr anchor="ctr">
+                    <a:lnL w="12700" cmpd="sng">
+                      <a:noFill/>
+                    </a:lnL>
+                    <a:lnR w="12700" cmpd="sng">
+                      <a:noFill/>
+                    </a:lnR>
+                    <a:lnT w="12700" cap="flat" cmpd="sng" algn="ctr">
+                      <a:solidFill>
+                        <a:schemeClr val="tx1"/>
+                      </a:solidFill>
+                      <a:prstDash val="solid"/>
+                      <a:round/>
+                      <a:headEnd type="none" w="med" len="med"/>
+                      <a:tailEnd type="none" w="med" len="med"/>
+                    </a:lnT>
+                    <a:lnB w="12700" cap="flat" cmpd="sng" algn="ctr">
+                      <a:solidFill>
+                        <a:schemeClr val="tx1"/>
+                      </a:solidFill>
+                      <a:prstDash val="solid"/>
+                      <a:round/>
+                      <a:headEnd type="none" w="med" len="med"/>
+                      <a:tailEnd type="none" w="med" len="med"/>
+                    </a:lnB>
+                    <a:lnTlToBr w="12700" cmpd="sng">
+                      <a:noFill/>
+                      <a:prstDash val="solid"/>
+                    </a:lnTlToBr>
+                    <a:lnBlToTr w="12700" cmpd="sng">
+                      <a:noFill/>
+                      <a:prstDash val="solid"/>
+                    </a:lnBlToTr>
+                  </a:tcPr>
                 </a:tc>
                 <a:tc>
                   <a:txBody>
@@ -3326,13 +3386,52 @@
                     <a:p>
                       <a:pPr algn="ctr"/>
                       <a:r>
-                        <a:rPr lang="en-US" altLang="zh-CN" dirty="0" smtClean="0"/>
+                        <a:rPr lang="en-US" altLang="zh-CN" b="1" dirty="0" smtClean="0">
+                          <a:latin typeface="Arial" panose="020B0604020202020204" pitchFamily="34" charset="0"/>
+                          <a:cs typeface="Arial" panose="020B0604020202020204" pitchFamily="34" charset="0"/>
+                        </a:rPr>
                         <a:t>GPU</a:t>
                       </a:r>
-                      <a:endParaRPr lang="zh-CN" altLang="en-US" dirty="0"/>
+                      <a:endParaRPr lang="zh-CN" altLang="en-US" b="1" dirty="0">
+                        <a:latin typeface="Arial" panose="020B0604020202020204" pitchFamily="34" charset="0"/>
+                        <a:cs typeface="Arial" panose="020B0604020202020204" pitchFamily="34" charset="0"/>
+                      </a:endParaRPr>
                     </a:p>
                   </a:txBody>
-                  <a:tcPr anchor="ctr"/>
+                  <a:tcPr anchor="ctr">
+                    <a:lnL w="12700" cmpd="sng">
+                      <a:noFill/>
+                    </a:lnL>
+                    <a:lnR w="12700" cmpd="sng">
+                      <a:noFill/>
+                    </a:lnR>
+                    <a:lnT w="12700" cap="flat" cmpd="sng" algn="ctr">
+                      <a:solidFill>
+                        <a:schemeClr val="tx1"/>
+                      </a:solidFill>
+                      <a:prstDash val="solid"/>
+                      <a:round/>
+                      <a:headEnd type="none" w="med" len="med"/>
+                      <a:tailEnd type="none" w="med" len="med"/>
+                    </a:lnT>
+                    <a:lnB w="12700" cap="flat" cmpd="sng" algn="ctr">
+                      <a:solidFill>
+                        <a:schemeClr val="tx1"/>
+                      </a:solidFill>
+                      <a:prstDash val="solid"/>
+                      <a:round/>
+                      <a:headEnd type="none" w="med" len="med"/>
+                      <a:tailEnd type="none" w="med" len="med"/>
+                    </a:lnB>
+                    <a:lnTlToBr w="12700" cmpd="sng">
+                      <a:noFill/>
+                      <a:prstDash val="solid"/>
+                    </a:lnTlToBr>
+                    <a:lnBlToTr w="12700" cmpd="sng">
+                      <a:noFill/>
+                      <a:prstDash val="solid"/>
+                    </a:lnBlToTr>
+                  </a:tcPr>
                 </a:tc>
                 <a:tc>
                   <a:txBody>
@@ -3341,13 +3440,52 @@
                     <a:p>
                       <a:pPr algn="ctr"/>
                       <a:r>
-                        <a:rPr lang="en-US" altLang="zh-CN" dirty="0" smtClean="0"/>
+                        <a:rPr lang="en-US" altLang="zh-CN" b="1" dirty="0" smtClean="0">
+                          <a:latin typeface="Arial" panose="020B0604020202020204" pitchFamily="34" charset="0"/>
+                          <a:cs typeface="Arial" panose="020B0604020202020204" pitchFamily="34" charset="0"/>
+                        </a:rPr>
                         <a:t>Batch Size</a:t>
                       </a:r>
-                      <a:endParaRPr lang="zh-CN" altLang="en-US" dirty="0"/>
+                      <a:endParaRPr lang="zh-CN" altLang="en-US" b="1" dirty="0">
+                        <a:latin typeface="Arial" panose="020B0604020202020204" pitchFamily="34" charset="0"/>
+                        <a:cs typeface="Arial" panose="020B0604020202020204" pitchFamily="34" charset="0"/>
+                      </a:endParaRPr>
                     </a:p>
                   </a:txBody>
-                  <a:tcPr anchor="ctr"/>
+                  <a:tcPr anchor="ctr">
+                    <a:lnL w="12700" cmpd="sng">
+                      <a:noFill/>
+                    </a:lnL>
+                    <a:lnR w="12700" cmpd="sng">
+                      <a:noFill/>
+                    </a:lnR>
+                    <a:lnT w="12700" cap="flat" cmpd="sng" algn="ctr">
+                      <a:solidFill>
+                        <a:schemeClr val="tx1"/>
+                      </a:solidFill>
+                      <a:prstDash val="solid"/>
+                      <a:round/>
+                      <a:headEnd type="none" w="med" len="med"/>
+                      <a:tailEnd type="none" w="med" len="med"/>
+                    </a:lnT>
+                    <a:lnB w="12700" cap="flat" cmpd="sng" algn="ctr">
+                      <a:solidFill>
+                        <a:schemeClr val="tx1"/>
+                      </a:solidFill>
+                      <a:prstDash val="solid"/>
+                      <a:round/>
+                      <a:headEnd type="none" w="med" len="med"/>
+                      <a:tailEnd type="none" w="med" len="med"/>
+                    </a:lnB>
+                    <a:lnTlToBr w="12700" cmpd="sng">
+                      <a:noFill/>
+                      <a:prstDash val="solid"/>
+                    </a:lnTlToBr>
+                    <a:lnBlToTr w="12700" cmpd="sng">
+                      <a:noFill/>
+                      <a:prstDash val="solid"/>
+                    </a:lnBlToTr>
+                  </a:tcPr>
                 </a:tc>
                 <a:tc>
                   <a:txBody>
@@ -3356,13 +3494,52 @@
                     <a:p>
                       <a:pPr algn="ctr"/>
                       <a:r>
-                        <a:rPr lang="en-US" altLang="zh-CN" dirty="0" smtClean="0"/>
+                        <a:rPr lang="en-US" altLang="zh-CN" b="1" dirty="0" smtClean="0">
+                          <a:latin typeface="Arial" panose="020B0604020202020204" pitchFamily="34" charset="0"/>
+                          <a:cs typeface="Arial" panose="020B0604020202020204" pitchFamily="34" charset="0"/>
+                        </a:rPr>
                         <a:t>Learning rate</a:t>
                       </a:r>
-                      <a:endParaRPr lang="zh-CN" altLang="en-US" dirty="0"/>
+                      <a:endParaRPr lang="zh-CN" altLang="en-US" b="1" dirty="0">
+                        <a:latin typeface="Arial" panose="020B0604020202020204" pitchFamily="34" charset="0"/>
+                        <a:cs typeface="Arial" panose="020B0604020202020204" pitchFamily="34" charset="0"/>
+                      </a:endParaRPr>
                     </a:p>
                   </a:txBody>
-                  <a:tcPr anchor="ctr"/>
+                  <a:tcPr anchor="ctr">
+                    <a:lnL w="12700" cmpd="sng">
+                      <a:noFill/>
+                    </a:lnL>
+                    <a:lnR w="12700" cmpd="sng">
+                      <a:noFill/>
+                    </a:lnR>
+                    <a:lnT w="12700" cap="flat" cmpd="sng" algn="ctr">
+                      <a:solidFill>
+                        <a:schemeClr val="tx1"/>
+                      </a:solidFill>
+                      <a:prstDash val="solid"/>
+                      <a:round/>
+                      <a:headEnd type="none" w="med" len="med"/>
+                      <a:tailEnd type="none" w="med" len="med"/>
+                    </a:lnT>
+                    <a:lnB w="12700" cap="flat" cmpd="sng" algn="ctr">
+                      <a:solidFill>
+                        <a:schemeClr val="tx1"/>
+                      </a:solidFill>
+                      <a:prstDash val="solid"/>
+                      <a:round/>
+                      <a:headEnd type="none" w="med" len="med"/>
+                      <a:tailEnd type="none" w="med" len="med"/>
+                    </a:lnB>
+                    <a:lnTlToBr w="12700" cmpd="sng">
+                      <a:noFill/>
+                      <a:prstDash val="solid"/>
+                    </a:lnTlToBr>
+                    <a:lnBlToTr w="12700" cmpd="sng">
+                      <a:noFill/>
+                      <a:prstDash val="solid"/>
+                    </a:lnBlToTr>
+                  </a:tcPr>
                 </a:tc>
                 <a:tc>
                   <a:txBody>
@@ -3371,13 +3548,52 @@
                     <a:p>
                       <a:pPr algn="ctr"/>
                       <a:r>
-                        <a:rPr lang="en-US" altLang="zh-CN" dirty="0" smtClean="0"/>
+                        <a:rPr lang="en-US" altLang="zh-CN" b="1" dirty="0" smtClean="0">
+                          <a:latin typeface="Arial" panose="020B0604020202020204" pitchFamily="34" charset="0"/>
+                          <a:cs typeface="Arial" panose="020B0604020202020204" pitchFamily="34" charset="0"/>
+                        </a:rPr>
                         <a:t>Patience</a:t>
                       </a:r>
-                      <a:endParaRPr lang="zh-CN" altLang="en-US" dirty="0"/>
+                      <a:endParaRPr lang="zh-CN" altLang="en-US" b="1" dirty="0">
+                        <a:latin typeface="Arial" panose="020B0604020202020204" pitchFamily="34" charset="0"/>
+                        <a:cs typeface="Arial" panose="020B0604020202020204" pitchFamily="34" charset="0"/>
+                      </a:endParaRPr>
                     </a:p>
                   </a:txBody>
-                  <a:tcPr anchor="ctr"/>
+                  <a:tcPr anchor="ctr">
+                    <a:lnL w="12700" cmpd="sng">
+                      <a:noFill/>
+                    </a:lnL>
+                    <a:lnR w="12700" cmpd="sng">
+                      <a:noFill/>
+                    </a:lnR>
+                    <a:lnT w="12700" cap="flat" cmpd="sng" algn="ctr">
+                      <a:solidFill>
+                        <a:schemeClr val="tx1"/>
+                      </a:solidFill>
+                      <a:prstDash val="solid"/>
+                      <a:round/>
+                      <a:headEnd type="none" w="med" len="med"/>
+                      <a:tailEnd type="none" w="med" len="med"/>
+                    </a:lnT>
+                    <a:lnB w="12700" cap="flat" cmpd="sng" algn="ctr">
+                      <a:solidFill>
+                        <a:schemeClr val="tx1"/>
+                      </a:solidFill>
+                      <a:prstDash val="solid"/>
+                      <a:round/>
+                      <a:headEnd type="none" w="med" len="med"/>
+                      <a:tailEnd type="none" w="med" len="med"/>
+                    </a:lnB>
+                    <a:lnTlToBr w="12700" cmpd="sng">
+                      <a:noFill/>
+                      <a:prstDash val="solid"/>
+                    </a:lnTlToBr>
+                    <a:lnBlToTr w="12700" cmpd="sng">
+                      <a:noFill/>
+                      <a:prstDash val="solid"/>
+                    </a:lnBlToTr>
+                  </a:tcPr>
                 </a:tc>
                 <a:tc>
                   <a:txBody>
@@ -3386,13 +3602,52 @@
                     <a:p>
                       <a:pPr algn="ctr"/>
                       <a:r>
-                        <a:rPr lang="en-US" altLang="zh-CN" dirty="0" smtClean="0"/>
+                        <a:rPr lang="en-US" altLang="zh-CN" b="1" dirty="0" smtClean="0">
+                          <a:latin typeface="Arial" panose="020B0604020202020204" pitchFamily="34" charset="0"/>
+                          <a:cs typeface="Arial" panose="020B0604020202020204" pitchFamily="34" charset="0"/>
+                        </a:rPr>
                         <a:t>Decay Step</a:t>
                       </a:r>
-                      <a:endParaRPr lang="zh-CN" altLang="en-US" dirty="0"/>
+                      <a:endParaRPr lang="zh-CN" altLang="en-US" b="1" dirty="0">
+                        <a:latin typeface="Arial" panose="020B0604020202020204" pitchFamily="34" charset="0"/>
+                        <a:cs typeface="Arial" panose="020B0604020202020204" pitchFamily="34" charset="0"/>
+                      </a:endParaRPr>
                     </a:p>
                   </a:txBody>
-                  <a:tcPr anchor="ctr"/>
+                  <a:tcPr anchor="ctr">
+                    <a:lnL w="12700" cmpd="sng">
+                      <a:noFill/>
+                    </a:lnL>
+                    <a:lnR w="12700" cmpd="sng">
+                      <a:noFill/>
+                    </a:lnR>
+                    <a:lnT w="12700" cap="flat" cmpd="sng" algn="ctr">
+                      <a:solidFill>
+                        <a:schemeClr val="tx1"/>
+                      </a:solidFill>
+                      <a:prstDash val="solid"/>
+                      <a:round/>
+                      <a:headEnd type="none" w="med" len="med"/>
+                      <a:tailEnd type="none" w="med" len="med"/>
+                    </a:lnT>
+                    <a:lnB w="12700" cap="flat" cmpd="sng" algn="ctr">
+                      <a:solidFill>
+                        <a:schemeClr val="tx1"/>
+                      </a:solidFill>
+                      <a:prstDash val="solid"/>
+                      <a:round/>
+                      <a:headEnd type="none" w="med" len="med"/>
+                      <a:tailEnd type="none" w="med" len="med"/>
+                    </a:lnB>
+                    <a:lnTlToBr w="12700" cmpd="sng">
+                      <a:noFill/>
+                      <a:prstDash val="solid"/>
+                    </a:lnTlToBr>
+                    <a:lnBlToTr w="12700" cmpd="sng">
+                      <a:noFill/>
+                      <a:prstDash val="solid"/>
+                    </a:lnBlToTr>
+                  </a:tcPr>
                 </a:tc>
                 <a:tc>
                   <a:txBody>
@@ -3401,13 +3656,52 @@
                     <a:p>
                       <a:pPr algn="ctr"/>
                       <a:r>
-                        <a:rPr lang="en-US" altLang="zh-CN" dirty="0" smtClean="0"/>
+                        <a:rPr lang="en-US" altLang="zh-CN" b="1" dirty="0" smtClean="0">
+                          <a:latin typeface="Arial" panose="020B0604020202020204" pitchFamily="34" charset="0"/>
+                          <a:cs typeface="Arial" panose="020B0604020202020204" pitchFamily="34" charset="0"/>
+                        </a:rPr>
                         <a:t>Decay Rate</a:t>
                       </a:r>
-                      <a:endParaRPr lang="zh-CN" altLang="en-US" dirty="0"/>
+                      <a:endParaRPr lang="zh-CN" altLang="en-US" b="1" dirty="0">
+                        <a:latin typeface="Arial" panose="020B0604020202020204" pitchFamily="34" charset="0"/>
+                        <a:cs typeface="Arial" panose="020B0604020202020204" pitchFamily="34" charset="0"/>
+                      </a:endParaRPr>
                     </a:p>
                   </a:txBody>
-                  <a:tcPr anchor="ctr"/>
+                  <a:tcPr anchor="ctr">
+                    <a:lnL w="12700" cmpd="sng">
+                      <a:noFill/>
+                    </a:lnL>
+                    <a:lnR w="12700" cmpd="sng">
+                      <a:noFill/>
+                    </a:lnR>
+                    <a:lnT w="12700" cap="flat" cmpd="sng" algn="ctr">
+                      <a:solidFill>
+                        <a:schemeClr val="tx1"/>
+                      </a:solidFill>
+                      <a:prstDash val="solid"/>
+                      <a:round/>
+                      <a:headEnd type="none" w="med" len="med"/>
+                      <a:tailEnd type="none" w="med" len="med"/>
+                    </a:lnT>
+                    <a:lnB w="12700" cap="flat" cmpd="sng" algn="ctr">
+                      <a:solidFill>
+                        <a:schemeClr val="tx1"/>
+                      </a:solidFill>
+                      <a:prstDash val="solid"/>
+                      <a:round/>
+                      <a:headEnd type="none" w="med" len="med"/>
+                      <a:tailEnd type="none" w="med" len="med"/>
+                    </a:lnB>
+                    <a:lnTlToBr w="12700" cmpd="sng">
+                      <a:noFill/>
+                      <a:prstDash val="solid"/>
+                    </a:lnTlToBr>
+                    <a:lnBlToTr w="12700" cmpd="sng">
+                      <a:noFill/>
+                      <a:prstDash val="solid"/>
+                    </a:lnBlToTr>
+                  </a:tcPr>
                 </a:tc>
                 <a:extLst>
                   <a:ext uri="{0D108BD9-81ED-4DB2-BD59-A6C34878D82A}">
@@ -3423,13 +3717,52 @@
                     <a:p>
                       <a:pPr algn="ctr"/>
                       <a:r>
-                        <a:rPr lang="en-US" altLang="zh-CN" dirty="0" smtClean="0"/>
+                        <a:rPr lang="en-US" altLang="zh-CN" dirty="0" smtClean="0">
+                          <a:latin typeface="Arial" panose="020B0604020202020204" pitchFamily="34" charset="0"/>
+                          <a:cs typeface="Arial" panose="020B0604020202020204" pitchFamily="34" charset="0"/>
+                        </a:rPr>
                         <a:t>122000</a:t>
                       </a:r>
-                      <a:endParaRPr lang="zh-CN" altLang="en-US" dirty="0"/>
+                      <a:endParaRPr lang="zh-CN" altLang="en-US" dirty="0">
+                        <a:latin typeface="Arial" panose="020B0604020202020204" pitchFamily="34" charset="0"/>
+                        <a:cs typeface="Arial" panose="020B0604020202020204" pitchFamily="34" charset="0"/>
+                      </a:endParaRPr>
                     </a:p>
                   </a:txBody>
-                  <a:tcPr anchor="ctr"/>
+                  <a:tcPr anchor="ctr">
+                    <a:lnL w="12700" cmpd="sng">
+                      <a:noFill/>
+                    </a:lnL>
+                    <a:lnR w="12700" cmpd="sng">
+                      <a:noFill/>
+                    </a:lnR>
+                    <a:lnT w="12700" cap="flat" cmpd="sng" algn="ctr">
+                      <a:solidFill>
+                        <a:schemeClr val="tx1"/>
+                      </a:solidFill>
+                      <a:prstDash val="solid"/>
+                      <a:round/>
+                      <a:headEnd type="none" w="med" len="med"/>
+                      <a:tailEnd type="none" w="med" len="med"/>
+                    </a:lnT>
+                    <a:lnB w="12700" cap="flat" cmpd="sng" algn="ctr">
+                      <a:solidFill>
+                        <a:schemeClr val="tx1"/>
+                      </a:solidFill>
+                      <a:prstDash val="solid"/>
+                      <a:round/>
+                      <a:headEnd type="none" w="med" len="med"/>
+                      <a:tailEnd type="none" w="med" len="med"/>
+                    </a:lnB>
+                    <a:lnTlToBr w="12700" cmpd="sng">
+                      <a:noFill/>
+                      <a:prstDash val="solid"/>
+                    </a:lnTlToBr>
+                    <a:lnBlToTr w="12700" cmpd="sng">
+                      <a:noFill/>
+                      <a:prstDash val="solid"/>
+                    </a:lnBlToTr>
+                  </a:tcPr>
                 </a:tc>
                 <a:tc>
                   <a:txBody>
@@ -3438,17 +3771,59 @@
                     <a:p>
                       <a:pPr algn="ctr"/>
                       <a:r>
-                        <a:rPr lang="en-US" altLang="zh-CN" dirty="0" smtClean="0"/>
+                        <a:rPr lang="en-US" altLang="zh-CN" dirty="0" smtClean="0">
+                          <a:latin typeface="Arial" panose="020B0604020202020204" pitchFamily="34" charset="0"/>
+                          <a:cs typeface="Arial" panose="020B0604020202020204" pitchFamily="34" charset="0"/>
+                        </a:rPr>
                         <a:t>GTX</a:t>
                       </a:r>
                       <a:r>
-                        <a:rPr lang="en-US" altLang="zh-CN" baseline="0" dirty="0" smtClean="0"/>
+                        <a:rPr lang="en-US" altLang="zh-CN" baseline="0" dirty="0" smtClean="0">
+                          <a:latin typeface="Arial" panose="020B0604020202020204" pitchFamily="34" charset="0"/>
+                          <a:cs typeface="Arial" panose="020B0604020202020204" pitchFamily="34" charset="0"/>
+                        </a:rPr>
                         <a:t> 1080Ti</a:t>
                       </a:r>
-                      <a:endParaRPr lang="zh-CN" altLang="en-US" dirty="0"/>
+                      <a:endParaRPr lang="zh-CN" altLang="en-US" dirty="0">
+                        <a:latin typeface="Arial" panose="020B0604020202020204" pitchFamily="34" charset="0"/>
+                        <a:cs typeface="Arial" panose="020B0604020202020204" pitchFamily="34" charset="0"/>
+                      </a:endParaRPr>
                     </a:p>
                   </a:txBody>
-                  <a:tcPr anchor="ctr"/>
+                  <a:tcPr anchor="ctr">
+                    <a:lnL w="12700" cmpd="sng">
+                      <a:noFill/>
+                    </a:lnL>
+                    <a:lnR w="12700" cmpd="sng">
+                      <a:noFill/>
+                    </a:lnR>
+                    <a:lnT w="12700" cap="flat" cmpd="sng" algn="ctr">
+                      <a:solidFill>
+                        <a:schemeClr val="tx1"/>
+                      </a:solidFill>
+                      <a:prstDash val="solid"/>
+                      <a:round/>
+                      <a:headEnd type="none" w="med" len="med"/>
+                      <a:tailEnd type="none" w="med" len="med"/>
+                    </a:lnT>
+                    <a:lnB w="12700" cap="flat" cmpd="sng" algn="ctr">
+                      <a:solidFill>
+                        <a:schemeClr val="tx1"/>
+                      </a:solidFill>
+                      <a:prstDash val="solid"/>
+                      <a:round/>
+                      <a:headEnd type="none" w="med" len="med"/>
+                      <a:tailEnd type="none" w="med" len="med"/>
+                    </a:lnB>
+                    <a:lnTlToBr w="12700" cmpd="sng">
+                      <a:noFill/>
+                      <a:prstDash val="solid"/>
+                    </a:lnTlToBr>
+                    <a:lnBlToTr w="12700" cmpd="sng">
+                      <a:noFill/>
+                      <a:prstDash val="solid"/>
+                    </a:lnBlToTr>
+                  </a:tcPr>
                 </a:tc>
                 <a:tc>
                   <a:txBody>
@@ -3457,13 +3832,52 @@
                     <a:p>
                       <a:pPr algn="ctr"/>
                       <a:r>
-                        <a:rPr lang="en-US" altLang="zh-CN" dirty="0" smtClean="0"/>
+                        <a:rPr lang="en-US" altLang="zh-CN" dirty="0" smtClean="0">
+                          <a:latin typeface="Arial" panose="020B0604020202020204" pitchFamily="34" charset="0"/>
+                          <a:cs typeface="Arial" panose="020B0604020202020204" pitchFamily="34" charset="0"/>
+                        </a:rPr>
                         <a:t>512</a:t>
                       </a:r>
-                      <a:endParaRPr lang="zh-CN" altLang="en-US" dirty="0"/>
+                      <a:endParaRPr lang="zh-CN" altLang="en-US" dirty="0">
+                        <a:latin typeface="Arial" panose="020B0604020202020204" pitchFamily="34" charset="0"/>
+                        <a:cs typeface="Arial" panose="020B0604020202020204" pitchFamily="34" charset="0"/>
+                      </a:endParaRPr>
                     </a:p>
                   </a:txBody>
-                  <a:tcPr anchor="ctr"/>
+                  <a:tcPr anchor="ctr">
+                    <a:lnL w="12700" cmpd="sng">
+                      <a:noFill/>
+                    </a:lnL>
+                    <a:lnR w="12700" cmpd="sng">
+                      <a:noFill/>
+                    </a:lnR>
+                    <a:lnT w="12700" cap="flat" cmpd="sng" algn="ctr">
+                      <a:solidFill>
+                        <a:schemeClr val="tx1"/>
+                      </a:solidFill>
+                      <a:prstDash val="solid"/>
+                      <a:round/>
+                      <a:headEnd type="none" w="med" len="med"/>
+                      <a:tailEnd type="none" w="med" len="med"/>
+                    </a:lnT>
+                    <a:lnB w="12700" cap="flat" cmpd="sng" algn="ctr">
+                      <a:solidFill>
+                        <a:schemeClr val="tx1"/>
+                      </a:solidFill>
+                      <a:prstDash val="solid"/>
+                      <a:round/>
+                      <a:headEnd type="none" w="med" len="med"/>
+                      <a:tailEnd type="none" w="med" len="med"/>
+                    </a:lnB>
+                    <a:lnTlToBr w="12700" cmpd="sng">
+                      <a:noFill/>
+                      <a:prstDash val="solid"/>
+                    </a:lnTlToBr>
+                    <a:lnBlToTr w="12700" cmpd="sng">
+                      <a:noFill/>
+                      <a:prstDash val="solid"/>
+                    </a:lnBlToTr>
+                  </a:tcPr>
                 </a:tc>
                 <a:tc>
                   <a:txBody>
@@ -3472,13 +3886,52 @@
                     <a:p>
                       <a:pPr algn="ctr"/>
                       <a:r>
-                        <a:rPr lang="en-US" altLang="zh-CN" dirty="0" smtClean="0"/>
+                        <a:rPr lang="en-US" altLang="zh-CN" dirty="0" smtClean="0">
+                          <a:latin typeface="Arial" panose="020B0604020202020204" pitchFamily="34" charset="0"/>
+                          <a:cs typeface="Arial" panose="020B0604020202020204" pitchFamily="34" charset="0"/>
+                        </a:rPr>
                         <a:t>0.01</a:t>
                       </a:r>
-                      <a:endParaRPr lang="zh-CN" altLang="en-US" dirty="0"/>
+                      <a:endParaRPr lang="zh-CN" altLang="en-US" dirty="0">
+                        <a:latin typeface="Arial" panose="020B0604020202020204" pitchFamily="34" charset="0"/>
+                        <a:cs typeface="Arial" panose="020B0604020202020204" pitchFamily="34" charset="0"/>
+                      </a:endParaRPr>
                     </a:p>
                   </a:txBody>
-                  <a:tcPr anchor="ctr"/>
+                  <a:tcPr anchor="ctr">
+                    <a:lnL w="12700" cmpd="sng">
+                      <a:noFill/>
+                    </a:lnL>
+                    <a:lnR w="12700" cmpd="sng">
+                      <a:noFill/>
+                    </a:lnR>
+                    <a:lnT w="12700" cap="flat" cmpd="sng" algn="ctr">
+                      <a:solidFill>
+                        <a:schemeClr val="tx1"/>
+                      </a:solidFill>
+                      <a:prstDash val="solid"/>
+                      <a:round/>
+                      <a:headEnd type="none" w="med" len="med"/>
+                      <a:tailEnd type="none" w="med" len="med"/>
+                    </a:lnT>
+                    <a:lnB w="12700" cap="flat" cmpd="sng" algn="ctr">
+                      <a:solidFill>
+                        <a:schemeClr val="tx1"/>
+                      </a:solidFill>
+                      <a:prstDash val="solid"/>
+                      <a:round/>
+                      <a:headEnd type="none" w="med" len="med"/>
+                      <a:tailEnd type="none" w="med" len="med"/>
+                    </a:lnB>
+                    <a:lnTlToBr w="12700" cmpd="sng">
+                      <a:noFill/>
+                      <a:prstDash val="solid"/>
+                    </a:lnTlToBr>
+                    <a:lnBlToTr w="12700" cmpd="sng">
+                      <a:noFill/>
+                      <a:prstDash val="solid"/>
+                    </a:lnBlToTr>
+                  </a:tcPr>
                 </a:tc>
                 <a:tc>
                   <a:txBody>
@@ -3487,13 +3940,52 @@
                     <a:p>
                       <a:pPr algn="ctr"/>
                       <a:r>
-                        <a:rPr lang="en-US" altLang="zh-CN" dirty="0" smtClean="0"/>
+                        <a:rPr lang="en-US" altLang="zh-CN" dirty="0" smtClean="0">
+                          <a:latin typeface="Arial" panose="020B0604020202020204" pitchFamily="34" charset="0"/>
+                          <a:cs typeface="Arial" panose="020B0604020202020204" pitchFamily="34" charset="0"/>
+                        </a:rPr>
                         <a:t>100</a:t>
                       </a:r>
-                      <a:endParaRPr lang="zh-CN" altLang="en-US" dirty="0"/>
+                      <a:endParaRPr lang="zh-CN" altLang="en-US" dirty="0">
+                        <a:latin typeface="Arial" panose="020B0604020202020204" pitchFamily="34" charset="0"/>
+                        <a:cs typeface="Arial" panose="020B0604020202020204" pitchFamily="34" charset="0"/>
+                      </a:endParaRPr>
                     </a:p>
                   </a:txBody>
-                  <a:tcPr anchor="ctr"/>
+                  <a:tcPr anchor="ctr">
+                    <a:lnL w="12700" cmpd="sng">
+                      <a:noFill/>
+                    </a:lnL>
+                    <a:lnR w="12700" cmpd="sng">
+                      <a:noFill/>
+                    </a:lnR>
+                    <a:lnT w="12700" cap="flat" cmpd="sng" algn="ctr">
+                      <a:solidFill>
+                        <a:schemeClr val="tx1"/>
+                      </a:solidFill>
+                      <a:prstDash val="solid"/>
+                      <a:round/>
+                      <a:headEnd type="none" w="med" len="med"/>
+                      <a:tailEnd type="none" w="med" len="med"/>
+                    </a:lnT>
+                    <a:lnB w="12700" cap="flat" cmpd="sng" algn="ctr">
+                      <a:solidFill>
+                        <a:schemeClr val="tx1"/>
+                      </a:solidFill>
+                      <a:prstDash val="solid"/>
+                      <a:round/>
+                      <a:headEnd type="none" w="med" len="med"/>
+                      <a:tailEnd type="none" w="med" len="med"/>
+                    </a:lnB>
+                    <a:lnTlToBr w="12700" cmpd="sng">
+                      <a:noFill/>
+                      <a:prstDash val="solid"/>
+                    </a:lnTlToBr>
+                    <a:lnBlToTr w="12700" cmpd="sng">
+                      <a:noFill/>
+                      <a:prstDash val="solid"/>
+                    </a:lnBlToTr>
+                  </a:tcPr>
                 </a:tc>
                 <a:tc>
                   <a:txBody>
@@ -3502,13 +3994,52 @@
                     <a:p>
                       <a:pPr algn="ctr"/>
                       <a:r>
-                        <a:rPr lang="en-US" altLang="zh-CN" dirty="0" smtClean="0"/>
+                        <a:rPr lang="en-US" altLang="zh-CN" dirty="0" smtClean="0">
+                          <a:latin typeface="Arial" panose="020B0604020202020204" pitchFamily="34" charset="0"/>
+                          <a:cs typeface="Arial" panose="020B0604020202020204" pitchFamily="34" charset="0"/>
+                        </a:rPr>
                         <a:t>625</a:t>
                       </a:r>
-                      <a:endParaRPr lang="zh-CN" altLang="en-US" dirty="0"/>
+                      <a:endParaRPr lang="zh-CN" altLang="en-US" dirty="0">
+                        <a:latin typeface="Arial" panose="020B0604020202020204" pitchFamily="34" charset="0"/>
+                        <a:cs typeface="Arial" panose="020B0604020202020204" pitchFamily="34" charset="0"/>
+                      </a:endParaRPr>
                     </a:p>
                   </a:txBody>
-                  <a:tcPr anchor="ctr"/>
+                  <a:tcPr anchor="ctr">
+                    <a:lnL w="12700" cmpd="sng">
+                      <a:noFill/>
+                    </a:lnL>
+                    <a:lnR w="12700" cmpd="sng">
+                      <a:noFill/>
+                    </a:lnR>
+                    <a:lnT w="12700" cap="flat" cmpd="sng" algn="ctr">
+                      <a:solidFill>
+                        <a:schemeClr val="tx1"/>
+                      </a:solidFill>
+                      <a:prstDash val="solid"/>
+                      <a:round/>
+                      <a:headEnd type="none" w="med" len="med"/>
+                      <a:tailEnd type="none" w="med" len="med"/>
+                    </a:lnT>
+                    <a:lnB w="12700" cap="flat" cmpd="sng" algn="ctr">
+                      <a:solidFill>
+                        <a:schemeClr val="tx1"/>
+                      </a:solidFill>
+                      <a:prstDash val="solid"/>
+                      <a:round/>
+                      <a:headEnd type="none" w="med" len="med"/>
+                      <a:tailEnd type="none" w="med" len="med"/>
+                    </a:lnB>
+                    <a:lnTlToBr w="12700" cmpd="sng">
+                      <a:noFill/>
+                      <a:prstDash val="solid"/>
+                    </a:lnTlToBr>
+                    <a:lnBlToTr w="12700" cmpd="sng">
+                      <a:noFill/>
+                      <a:prstDash val="solid"/>
+                    </a:lnBlToTr>
+                  </a:tcPr>
                 </a:tc>
                 <a:tc>
                   <a:txBody>
@@ -3517,13 +4048,52 @@
                     <a:p>
                       <a:pPr algn="ctr"/>
                       <a:r>
-                        <a:rPr lang="en-US" altLang="zh-CN" dirty="0" smtClean="0"/>
+                        <a:rPr lang="en-US" altLang="zh-CN" dirty="0" smtClean="0">
+                          <a:latin typeface="Arial" panose="020B0604020202020204" pitchFamily="34" charset="0"/>
+                          <a:cs typeface="Arial" panose="020B0604020202020204" pitchFamily="34" charset="0"/>
+                        </a:rPr>
                         <a:t>0.9</a:t>
                       </a:r>
-                      <a:endParaRPr lang="zh-CN" altLang="en-US" dirty="0"/>
+                      <a:endParaRPr lang="zh-CN" altLang="en-US" dirty="0">
+                        <a:latin typeface="Arial" panose="020B0604020202020204" pitchFamily="34" charset="0"/>
+                        <a:cs typeface="Arial" panose="020B0604020202020204" pitchFamily="34" charset="0"/>
+                      </a:endParaRPr>
                     </a:p>
                   </a:txBody>
-                  <a:tcPr anchor="ctr"/>
+                  <a:tcPr anchor="ctr">
+                    <a:lnL w="12700" cmpd="sng">
+                      <a:noFill/>
+                    </a:lnL>
+                    <a:lnR w="12700" cmpd="sng">
+                      <a:noFill/>
+                    </a:lnR>
+                    <a:lnT w="12700" cap="flat" cmpd="sng" algn="ctr">
+                      <a:solidFill>
+                        <a:schemeClr val="tx1"/>
+                      </a:solidFill>
+                      <a:prstDash val="solid"/>
+                      <a:round/>
+                      <a:headEnd type="none" w="med" len="med"/>
+                      <a:tailEnd type="none" w="med" len="med"/>
+                    </a:lnT>
+                    <a:lnB w="12700" cap="flat" cmpd="sng" algn="ctr">
+                      <a:solidFill>
+                        <a:schemeClr val="tx1"/>
+                      </a:solidFill>
+                      <a:prstDash val="solid"/>
+                      <a:round/>
+                      <a:headEnd type="none" w="med" len="med"/>
+                      <a:tailEnd type="none" w="med" len="med"/>
+                    </a:lnB>
+                    <a:lnTlToBr w="12700" cmpd="sng">
+                      <a:noFill/>
+                      <a:prstDash val="solid"/>
+                    </a:lnTlToBr>
+                    <a:lnBlToTr w="12700" cmpd="sng">
+                      <a:noFill/>
+                      <a:prstDash val="solid"/>
+                    </a:lnBlToTr>
+                  </a:tcPr>
                 </a:tc>
                 <a:extLst>
                   <a:ext uri="{0D108BD9-81ED-4DB2-BD59-A6C34878D82A}">
@@ -3629,10 +4199,16 @@
           <a:lstStyle/>
           <a:p>
             <a:r>
-              <a:rPr lang="en-US" altLang="zh-CN" dirty="0" smtClean="0"/>
+              <a:rPr lang="en-US" altLang="zh-CN" dirty="0" smtClean="0">
+                <a:latin typeface="Arial" panose="020B0604020202020204" pitchFamily="34" charset="0"/>
+                <a:cs typeface="Arial" panose="020B0604020202020204" pitchFamily="34" charset="0"/>
+              </a:rPr>
               <a:t>Params</a:t>
             </a:r>
-            <a:endParaRPr lang="zh-CN" altLang="en-US" dirty="0"/>
+            <a:endParaRPr lang="zh-CN" altLang="en-US" dirty="0">
+              <a:latin typeface="Arial" panose="020B0604020202020204" pitchFamily="34" charset="0"/>
+              <a:cs typeface="Arial" panose="020B0604020202020204" pitchFamily="34" charset="0"/>
+            </a:endParaRPr>
           </a:p>
         </p:txBody>
       </p:sp>
@@ -3763,10 +4339,16 @@
           <a:lstStyle/>
           <a:p>
             <a:r>
-              <a:rPr lang="en-US" altLang="zh-CN" dirty="0" smtClean="0"/>
+              <a:rPr lang="en-US" altLang="zh-CN" dirty="0" smtClean="0">
+                <a:latin typeface="Arial" panose="020B0604020202020204" pitchFamily="34" charset="0"/>
+                <a:cs typeface="Arial" panose="020B0604020202020204" pitchFamily="34" charset="0"/>
+              </a:rPr>
               <a:t>Training method</a:t>
             </a:r>
-            <a:endParaRPr lang="zh-CN" altLang="en-US" dirty="0"/>
+            <a:endParaRPr lang="zh-CN" altLang="en-US" dirty="0">
+              <a:latin typeface="Arial" panose="020B0604020202020204" pitchFamily="34" charset="0"/>
+              <a:cs typeface="Arial" panose="020B0604020202020204" pitchFamily="34" charset="0"/>
+            </a:endParaRPr>
           </a:p>
         </p:txBody>
       </p:sp>
@@ -3786,7 +4368,10 @@
           <a:lstStyle/>
           <a:p>
             <a:r>
-              <a:rPr lang="en-US" altLang="zh-CN" dirty="0" smtClean="0"/>
+              <a:rPr lang="en-US" altLang="zh-CN" dirty="0" smtClean="0">
+                <a:latin typeface="Arial" panose="020B0604020202020204" pitchFamily="34" charset="0"/>
+                <a:cs typeface="Arial" panose="020B0604020202020204" pitchFamily="34" charset="0"/>
+              </a:rPr>
               <a:t>Loss function</a:t>
             </a:r>
           </a:p>
@@ -3795,7 +4380,10 @@
               <a:buNone/>
             </a:pPr>
             <a:r>
-              <a:rPr lang="en-US" altLang="zh-CN" sz="2000" dirty="0" smtClean="0"/>
+              <a:rPr lang="en-US" altLang="zh-CN" sz="2000" dirty="0" smtClean="0">
+                <a:latin typeface="Arial" panose="020B0604020202020204" pitchFamily="34" charset="0"/>
+                <a:cs typeface="Arial" panose="020B0604020202020204" pitchFamily="34" charset="0"/>
+              </a:rPr>
               <a:t>Use Backpropagation algorithm on the sum of all digit cross entropies.</a:t>
             </a:r>
           </a:p>
@@ -3804,16 +4392,25 @@
               <a:buNone/>
             </a:pPr>
             <a:r>
-              <a:rPr lang="en-US" altLang="zh-CN" sz="2000" dirty="0" smtClean="0"/>
+              <a:rPr lang="en-US" altLang="zh-CN" sz="2000" dirty="0" smtClean="0">
+                <a:latin typeface="Arial" panose="020B0604020202020204" pitchFamily="34" charset="0"/>
+                <a:cs typeface="Arial" panose="020B0604020202020204" pitchFamily="34" charset="0"/>
+              </a:rPr>
               <a:t>That is using loss.backward() where loss is defined as follow:</a:t>
             </a:r>
-            <a:endParaRPr lang="en-US" altLang="zh-CN" sz="2000" dirty="0"/>
+            <a:endParaRPr lang="en-US" altLang="zh-CN" sz="2000" dirty="0">
+              <a:latin typeface="Arial" panose="020B0604020202020204" pitchFamily="34" charset="0"/>
+              <a:cs typeface="Arial" panose="020B0604020202020204" pitchFamily="34" charset="0"/>
+            </a:endParaRPr>
           </a:p>
           <a:p>
             <a:pPr marL="0" indent="0">
               <a:buNone/>
             </a:pPr>
-            <a:endParaRPr lang="en-US" altLang="zh-CN" sz="2000" dirty="0" smtClean="0"/>
+            <a:endParaRPr lang="en-US" altLang="zh-CN" sz="2000" dirty="0" smtClean="0">
+              <a:latin typeface="Arial" panose="020B0604020202020204" pitchFamily="34" charset="0"/>
+              <a:cs typeface="Arial" panose="020B0604020202020204" pitchFamily="34" charset="0"/>
+            </a:endParaRPr>
           </a:p>
         </p:txBody>
       </p:sp>
@@ -3887,10 +4484,16 @@
           <a:lstStyle/>
           <a:p>
             <a:r>
-              <a:rPr lang="en-US" altLang="zh-CN" dirty="0" smtClean="0"/>
+              <a:rPr lang="en-US" altLang="zh-CN" dirty="0" smtClean="0">
+                <a:latin typeface="Arial" panose="020B0604020202020204" pitchFamily="34" charset="0"/>
+                <a:cs typeface="Arial" panose="020B0604020202020204" pitchFamily="34" charset="0"/>
+              </a:rPr>
               <a:t>Optimization</a:t>
             </a:r>
-            <a:endParaRPr lang="zh-CN" altLang="en-US" dirty="0"/>
+            <a:endParaRPr lang="zh-CN" altLang="en-US" dirty="0">
+              <a:latin typeface="Arial" panose="020B0604020202020204" pitchFamily="34" charset="0"/>
+              <a:cs typeface="Arial" panose="020B0604020202020204" pitchFamily="34" charset="0"/>
+            </a:endParaRPr>
           </a:p>
         </p:txBody>
       </p:sp>
@@ -3910,34 +4513,52 @@
           <a:lstStyle/>
           <a:p>
             <a:r>
-              <a:rPr lang="en-US" altLang="zh-CN" dirty="0" smtClean="0"/>
+              <a:rPr lang="en-US" altLang="zh-CN" dirty="0" smtClean="0">
+                <a:latin typeface="Arial" panose="020B0604020202020204" pitchFamily="34" charset="0"/>
+                <a:cs typeface="Arial" panose="020B0604020202020204" pitchFamily="34" charset="0"/>
+              </a:rPr>
               <a:t>Use SGD method and StepLR to optimize the training</a:t>
             </a:r>
           </a:p>
           <a:p>
-            <a:endParaRPr lang="en-US" altLang="zh-CN" dirty="0"/>
-          </a:p>
-          <a:p>
-            <a:r>
-              <a:rPr lang="en-US" altLang="zh-CN" dirty="0" smtClean="0"/>
+            <a:endParaRPr lang="en-US" altLang="zh-CN" dirty="0">
+              <a:latin typeface="Arial" panose="020B0604020202020204" pitchFamily="34" charset="0"/>
+              <a:cs typeface="Arial" panose="020B0604020202020204" pitchFamily="34" charset="0"/>
+            </a:endParaRPr>
+          </a:p>
+          <a:p>
+            <a:r>
+              <a:rPr lang="en-US" altLang="zh-CN" dirty="0" smtClean="0">
+                <a:latin typeface="Arial" panose="020B0604020202020204" pitchFamily="34" charset="0"/>
+                <a:cs typeface="Arial" panose="020B0604020202020204" pitchFamily="34" charset="0"/>
+              </a:rPr>
               <a:t>SGD</a:t>
             </a:r>
           </a:p>
           <a:p>
-            <a:endParaRPr lang="en-US" altLang="zh-CN" dirty="0" smtClean="0"/>
+            <a:endParaRPr lang="en-US" altLang="zh-CN" dirty="0" smtClean="0">
+              <a:latin typeface="Arial" panose="020B0604020202020204" pitchFamily="34" charset="0"/>
+              <a:cs typeface="Arial" panose="020B0604020202020204" pitchFamily="34" charset="0"/>
+            </a:endParaRPr>
           </a:p>
           <a:p>
             <a:pPr marL="0" indent="0">
               <a:buNone/>
             </a:pPr>
-            <a:endParaRPr lang="en-US" altLang="zh-CN" dirty="0" smtClean="0"/>
+            <a:endParaRPr lang="en-US" altLang="zh-CN" dirty="0" smtClean="0">
+              <a:latin typeface="Arial" panose="020B0604020202020204" pitchFamily="34" charset="0"/>
+              <a:cs typeface="Arial" panose="020B0604020202020204" pitchFamily="34" charset="0"/>
+            </a:endParaRPr>
           </a:p>
           <a:p>
             <a:pPr marL="0" indent="0">
               <a:buNone/>
             </a:pPr>
             <a:r>
-              <a:rPr lang="en-US" altLang="zh-CN" dirty="0" smtClean="0"/>
+              <a:rPr lang="en-US" altLang="zh-CN" dirty="0" smtClean="0">
+                <a:latin typeface="Arial" panose="020B0604020202020204" pitchFamily="34" charset="0"/>
+                <a:cs typeface="Arial" panose="020B0604020202020204" pitchFamily="34" charset="0"/>
+              </a:rPr>
               <a:t>StepLR</a:t>
             </a:r>
           </a:p>
@@ -3945,13 +4566,19 @@
             <a:pPr marL="0" indent="0">
               <a:buNone/>
             </a:pPr>
-            <a:endParaRPr lang="en-US" altLang="zh-CN" dirty="0"/>
+            <a:endParaRPr lang="en-US" altLang="zh-CN" dirty="0">
+              <a:latin typeface="Arial" panose="020B0604020202020204" pitchFamily="34" charset="0"/>
+              <a:cs typeface="Arial" panose="020B0604020202020204" pitchFamily="34" charset="0"/>
+            </a:endParaRPr>
           </a:p>
           <a:p>
             <a:pPr marL="0" indent="0">
               <a:buNone/>
             </a:pPr>
-            <a:endParaRPr lang="en-US" altLang="zh-CN" dirty="0"/>
+            <a:endParaRPr lang="en-US" altLang="zh-CN" dirty="0">
+              <a:latin typeface="Arial" panose="020B0604020202020204" pitchFamily="34" charset="0"/>
+              <a:cs typeface="Arial" panose="020B0604020202020204" pitchFamily="34" charset="0"/>
+            </a:endParaRPr>
           </a:p>
         </p:txBody>
       </p:sp>
@@ -4073,10 +4700,16 @@
           <a:lstStyle/>
           <a:p>
             <a:r>
-              <a:rPr lang="en-US" altLang="zh-CN" dirty="0" smtClean="0"/>
+              <a:rPr lang="en-US" altLang="zh-CN" dirty="0" smtClean="0">
+                <a:latin typeface="Arial" panose="020B0604020202020204" pitchFamily="34" charset="0"/>
+                <a:cs typeface="Arial" panose="020B0604020202020204" pitchFamily="34" charset="0"/>
+              </a:rPr>
               <a:t>Training curve</a:t>
             </a:r>
-            <a:endParaRPr lang="zh-CN" altLang="en-US" dirty="0"/>
+            <a:endParaRPr lang="zh-CN" altLang="en-US" dirty="0">
+              <a:latin typeface="Arial" panose="020B0604020202020204" pitchFamily="34" charset="0"/>
+              <a:cs typeface="Arial" panose="020B0604020202020204" pitchFamily="34" charset="0"/>
+            </a:endParaRPr>
           </a:p>
         </p:txBody>
       </p:sp>
@@ -4155,10 +4788,16 @@
           <a:lstStyle/>
           <a:p>
             <a:r>
-              <a:rPr lang="en-US" altLang="zh-CN" dirty="0" smtClean="0"/>
+              <a:rPr lang="en-US" altLang="zh-CN" dirty="0" smtClean="0">
+                <a:latin typeface="Arial" panose="020B0604020202020204" pitchFamily="34" charset="0"/>
+                <a:cs typeface="Arial" panose="020B0604020202020204" pitchFamily="34" charset="0"/>
+              </a:rPr>
               <a:t>Accuracy</a:t>
             </a:r>
-            <a:endParaRPr lang="zh-CN" altLang="en-US" dirty="0"/>
+            <a:endParaRPr lang="zh-CN" altLang="en-US" dirty="0">
+              <a:latin typeface="Arial" panose="020B0604020202020204" pitchFamily="34" charset="0"/>
+              <a:cs typeface="Arial" panose="020B0604020202020204" pitchFamily="34" charset="0"/>
+            </a:endParaRPr>
           </a:p>
         </p:txBody>
       </p:sp>
@@ -4235,14 +4874,23 @@
           <a:lstStyle/>
           <a:p>
             <a:r>
-              <a:rPr lang="en-US" altLang="zh-CN" dirty="0" smtClean="0"/>
+              <a:rPr lang="en-US" altLang="zh-CN" dirty="0" smtClean="0">
+                <a:latin typeface="Arial" panose="020B0604020202020204" pitchFamily="34" charset="0"/>
+                <a:cs typeface="Arial" panose="020B0604020202020204" pitchFamily="34" charset="0"/>
+              </a:rPr>
               <a:t>All these house numbers on the right can be well sorted by running the </a:t>
             </a:r>
             <a:r>
-              <a:rPr lang="en-US" altLang="zh-CN" i="1" dirty="0" smtClean="0"/>
+              <a:rPr lang="en-US" altLang="zh-CN" i="1" dirty="0" smtClean="0">
+                <a:latin typeface="Arial" panose="020B0604020202020204" pitchFamily="34" charset="0"/>
+                <a:cs typeface="Arial" panose="020B0604020202020204" pitchFamily="34" charset="0"/>
+              </a:rPr>
               <a:t>infer.py</a:t>
             </a:r>
-            <a:endParaRPr lang="zh-CN" altLang="en-US" i="1" dirty="0"/>
+            <a:endParaRPr lang="zh-CN" altLang="en-US" i="1" dirty="0">
+              <a:latin typeface="Arial" panose="020B0604020202020204" pitchFamily="34" charset="0"/>
+              <a:cs typeface="Arial" panose="020B0604020202020204" pitchFamily="34" charset="0"/>
+            </a:endParaRPr>
           </a:p>
         </p:txBody>
       </p:sp>
@@ -4292,10 +4940,16 @@
           <a:lstStyle/>
           <a:p>
             <a:r>
-              <a:rPr lang="en-US" altLang="zh-CN" dirty="0" smtClean="0"/>
+              <a:rPr lang="en-US" altLang="zh-CN" dirty="0" smtClean="0">
+                <a:latin typeface="Arial" panose="020B0604020202020204" pitchFamily="34" charset="0"/>
+                <a:cs typeface="Arial" panose="020B0604020202020204" pitchFamily="34" charset="0"/>
+              </a:rPr>
               <a:t>THANKS</a:t>
             </a:r>
-            <a:endParaRPr lang="zh-CN" altLang="en-US" dirty="0"/>
+            <a:endParaRPr lang="zh-CN" altLang="en-US" dirty="0">
+              <a:latin typeface="Arial" panose="020B0604020202020204" pitchFamily="34" charset="0"/>
+              <a:cs typeface="Arial" panose="020B0604020202020204" pitchFamily="34" charset="0"/>
+            </a:endParaRPr>
           </a:p>
         </p:txBody>
       </p:sp>
